--- a/src/image_works/usage_guide.pptx
+++ b/src/image_works/usage_guide.pptx
@@ -3313,9 +3313,7 @@
           </a:prstGeom>
           <a:noFill/>
           <a:ln w="19050">
-            <a:solidFill>
-              <a:srgbClr val="354F9B"/>
-            </a:solidFill>
+            <a:noFill/>
           </a:ln>
         </p:spPr>
         <p:style>
@@ -3372,47 +3370,47 @@
           <a:lstStyle/>
           <a:p>
             <a:r>
-              <a:rPr kumimoji="1" lang="ja-JP" altLang="en-US" sz="1100" u="sng" dirty="0"/>
+              <a:rPr kumimoji="1" lang="ja-JP" altLang="en-US" sz="1050" u="sng" dirty="0"/>
               <a:t>産</a:t>
             </a:r>
             <a:r>
-              <a:rPr kumimoji="1" lang="ja-JP" altLang="en-US" sz="1100" dirty="0"/>
+              <a:rPr kumimoji="1" lang="ja-JP" altLang="en-US" sz="1050" dirty="0"/>
               <a:t>：産交バス</a:t>
             </a:r>
-            <a:endParaRPr kumimoji="1" lang="en-US" altLang="ja-JP" sz="1100" dirty="0"/>
-          </a:p>
-          <a:p>
-            <a:r>
-              <a:rPr kumimoji="1" lang="ja-JP" altLang="en-US" sz="1100" u="sng" dirty="0"/>
+            <a:endParaRPr kumimoji="1" lang="en-US" altLang="ja-JP" sz="1050" dirty="0"/>
+          </a:p>
+          <a:p>
+            <a:r>
+              <a:rPr kumimoji="1" lang="ja-JP" altLang="en-US" sz="1050" u="sng" dirty="0"/>
               <a:t>都</a:t>
             </a:r>
             <a:r>
-              <a:rPr kumimoji="1" lang="ja-JP" altLang="en-US" sz="1100" dirty="0"/>
+              <a:rPr kumimoji="1" lang="ja-JP" altLang="en-US" sz="1050" dirty="0"/>
               <a:t>：熊本都市バス</a:t>
             </a:r>
-            <a:endParaRPr kumimoji="1" lang="en-US" altLang="ja-JP" sz="1100" dirty="0"/>
-          </a:p>
-          <a:p>
-            <a:r>
-              <a:rPr kumimoji="1" lang="ja-JP" altLang="en-US" sz="1100" u="sng" dirty="0"/>
+            <a:endParaRPr kumimoji="1" lang="en-US" altLang="ja-JP" sz="1050" dirty="0"/>
+          </a:p>
+          <a:p>
+            <a:r>
+              <a:rPr kumimoji="1" lang="ja-JP" altLang="en-US" sz="1050" u="sng" dirty="0"/>
               <a:t>電</a:t>
             </a:r>
             <a:r>
-              <a:rPr kumimoji="1" lang="ja-JP" altLang="en-US" sz="1100" dirty="0"/>
+              <a:rPr kumimoji="1" lang="ja-JP" altLang="en-US" sz="1050" dirty="0"/>
               <a:t>：熊本電鉄バス</a:t>
             </a:r>
-            <a:endParaRPr kumimoji="1" lang="en-US" altLang="ja-JP" sz="1100" dirty="0"/>
-          </a:p>
-          <a:p>
-            <a:r>
-              <a:rPr kumimoji="1" lang="ja-JP" altLang="en-US" sz="1100" u="sng" dirty="0"/>
+            <a:endParaRPr kumimoji="1" lang="en-US" altLang="ja-JP" sz="1050" dirty="0"/>
+          </a:p>
+          <a:p>
+            <a:r>
+              <a:rPr kumimoji="1" lang="ja-JP" altLang="en-US" sz="1050" u="sng" dirty="0"/>
               <a:t>熊</a:t>
             </a:r>
             <a:r>
-              <a:rPr kumimoji="1" lang="ja-JP" altLang="en-US" sz="1100" dirty="0"/>
+              <a:rPr kumimoji="1" lang="ja-JP" altLang="en-US" sz="1050" dirty="0"/>
               <a:t>：熊本バス</a:t>
             </a:r>
-            <a:endParaRPr kumimoji="1" lang="en-US" altLang="ja-JP" sz="1100" dirty="0"/>
+            <a:endParaRPr kumimoji="1" lang="en-US" altLang="ja-JP" sz="1050" dirty="0"/>
           </a:p>
         </p:txBody>
       </p:sp>
@@ -3565,7 +3563,7 @@
         <p:spPr>
           <a:xfrm flipH="1" flipV="1">
             <a:off x="2899134" y="183343"/>
-            <a:ext cx="225377" cy="33485"/>
+            <a:ext cx="251260" cy="35732"/>
           </a:xfrm>
           <a:prstGeom prst="line">
             <a:avLst/>
@@ -3693,8 +3691,8 @@
         </p:nvCxnSpPr>
         <p:spPr>
           <a:xfrm flipH="1">
-            <a:off x="2857734" y="422276"/>
-            <a:ext cx="168594" cy="48194"/>
+            <a:off x="2855353" y="414338"/>
+            <a:ext cx="190266" cy="153763"/>
           </a:xfrm>
           <a:prstGeom prst="line">
             <a:avLst/>
@@ -3734,7 +3732,7 @@
         </p:nvSpPr>
         <p:spPr>
           <a:xfrm>
-            <a:off x="10974" y="10974"/>
+            <a:off x="47673" y="39868"/>
             <a:ext cx="548639" cy="315925"/>
           </a:xfrm>
           <a:prstGeom prst="rect">
@@ -3913,8 +3911,8 @@
         </p:nvSpPr>
         <p:spPr>
           <a:xfrm>
-            <a:off x="4457696" y="519113"/>
-            <a:ext cx="569387" cy="307007"/>
+            <a:off x="4544772" y="519113"/>
+            <a:ext cx="379605" cy="307007"/>
           </a:xfrm>
           <a:prstGeom prst="rect">
             <a:avLst/>
@@ -3922,8 +3920,8 @@
           <a:noFill/>
         </p:spPr>
         <p:txBody>
-          <a:bodyPr wrap="none" rtlCol="0">
-            <a:spAutoFit/>
+          <a:bodyPr wrap="none" lIns="0" rIns="0" rtlCol="0">
+            <a:noAutofit/>
           </a:bodyPr>
           <a:lstStyle/>
           <a:p>
@@ -3965,8 +3963,8 @@
         </p:nvSpPr>
         <p:spPr>
           <a:xfrm>
-            <a:off x="4323509" y="62939"/>
-            <a:ext cx="665567" cy="307007"/>
+            <a:off x="4391536" y="62939"/>
+            <a:ext cx="513792" cy="307007"/>
           </a:xfrm>
           <a:prstGeom prst="rect">
             <a:avLst/>
@@ -3974,8 +3972,8 @@
           <a:noFill/>
         </p:spPr>
         <p:txBody>
-          <a:bodyPr wrap="none" rtlCol="0">
-            <a:spAutoFit/>
+          <a:bodyPr wrap="none" lIns="0" rIns="0" rtlCol="0">
+            <a:noAutofit/>
           </a:bodyPr>
           <a:lstStyle/>
           <a:p>

--- a/src/image_works/usage_guide.pptx
+++ b/src/image_works/usage_guide.pptx
@@ -2,12 +2,12 @@
 <file path=ppt/presentation.xml><?xml version="1.0" encoding="utf-8"?>
 <p:presentation xmlns:a="http://schemas.openxmlformats.org/drawingml/2006/main" xmlns:r="http://schemas.openxmlformats.org/officeDocument/2006/relationships" xmlns:p="http://schemas.openxmlformats.org/presentationml/2006/main" saveSubsetFonts="1">
   <p:sldMasterIdLst>
-    <p:sldMasterId id="2147483696" r:id="rId1"/>
+    <p:sldMasterId id="2147483708" r:id="rId1"/>
   </p:sldMasterIdLst>
   <p:sldIdLst>
     <p:sldId id="256" r:id="rId2"/>
   </p:sldIdLst>
-  <p:sldSz cx="4953000" cy="1714500"/>
+  <p:sldSz cx="9906000" cy="1714500"/>
   <p:notesSz cx="6858000" cy="9144000"/>
   <p:defaultTextStyle>
     <a:defPPr>
@@ -141,8 +141,8 @@
         </p:nvSpPr>
         <p:spPr>
           <a:xfrm>
-            <a:off x="619125" y="280591"/>
-            <a:ext cx="3714750" cy="596900"/>
+            <a:off x="1238250" y="280591"/>
+            <a:ext cx="7429500" cy="596900"/>
           </a:xfrm>
         </p:spPr>
         <p:txBody>
@@ -173,8 +173,8 @@
         </p:nvSpPr>
         <p:spPr>
           <a:xfrm>
-            <a:off x="619125" y="900509"/>
-            <a:ext cx="3714750" cy="413941"/>
+            <a:off x="1238250" y="900509"/>
+            <a:ext cx="7429500" cy="413941"/>
           </a:xfrm>
         </p:spPr>
         <p:txBody>
@@ -243,7 +243,7 @@
           <a:p>
             <a:fld id="{ED6AB9C0-62BA-41B0-8F97-E3E35441639B}" type="datetimeFigureOut">
               <a:rPr kumimoji="1" lang="ja-JP" altLang="en-US" smtClean="0"/>
-              <a:t>2023/9/26</a:t>
+              <a:t>2023/9/27</a:t>
             </a:fld>
             <a:endParaRPr kumimoji="1" lang="ja-JP" altLang="en-US"/>
           </a:p>
@@ -294,7 +294,7 @@
     </p:spTree>
     <p:extLst>
       <p:ext uri="{BB962C8B-B14F-4D97-AF65-F5344CB8AC3E}">
-        <p14:creationId xmlns:p14="http://schemas.microsoft.com/office/powerpoint/2010/main" val="750561485"/>
+        <p14:creationId xmlns:p14="http://schemas.microsoft.com/office/powerpoint/2010/main" val="3039761581"/>
       </p:ext>
     </p:extLst>
   </p:cSld>
@@ -445,7 +445,7 @@
           <a:p>
             <a:fld id="{ED6AB9C0-62BA-41B0-8F97-E3E35441639B}" type="datetimeFigureOut">
               <a:rPr kumimoji="1" lang="ja-JP" altLang="en-US" smtClean="0"/>
-              <a:t>2023/9/26</a:t>
+              <a:t>2023/9/27</a:t>
             </a:fld>
             <a:endParaRPr kumimoji="1" lang="ja-JP" altLang="en-US"/>
           </a:p>
@@ -496,7 +496,7 @@
     </p:spTree>
     <p:extLst>
       <p:ext uri="{BB962C8B-B14F-4D97-AF65-F5344CB8AC3E}">
-        <p14:creationId xmlns:p14="http://schemas.microsoft.com/office/powerpoint/2010/main" val="4003170712"/>
+        <p14:creationId xmlns:p14="http://schemas.microsoft.com/office/powerpoint/2010/main" val="2416966816"/>
       </p:ext>
     </p:extLst>
   </p:cSld>
@@ -535,8 +535,8 @@
         </p:nvSpPr>
         <p:spPr>
           <a:xfrm>
-            <a:off x="3544490" y="91281"/>
-            <a:ext cx="1067991" cy="1452960"/>
+            <a:off x="7088981" y="91281"/>
+            <a:ext cx="2135981" cy="1452960"/>
           </a:xfrm>
         </p:spPr>
         <p:txBody>
@@ -563,8 +563,8 @@
         </p:nvSpPr>
         <p:spPr>
           <a:xfrm>
-            <a:off x="340519" y="91281"/>
-            <a:ext cx="3142059" cy="1452960"/>
+            <a:off x="681037" y="91281"/>
+            <a:ext cx="6284119" cy="1452960"/>
           </a:xfrm>
         </p:spPr>
         <p:txBody>
@@ -657,7 +657,7 @@
           <a:p>
             <a:fld id="{ED6AB9C0-62BA-41B0-8F97-E3E35441639B}" type="datetimeFigureOut">
               <a:rPr kumimoji="1" lang="ja-JP" altLang="en-US" smtClean="0"/>
-              <a:t>2023/9/26</a:t>
+              <a:t>2023/9/27</a:t>
             </a:fld>
             <a:endParaRPr kumimoji="1" lang="ja-JP" altLang="en-US"/>
           </a:p>
@@ -708,7 +708,7 @@
     </p:spTree>
     <p:extLst>
       <p:ext uri="{BB962C8B-B14F-4D97-AF65-F5344CB8AC3E}">
-        <p14:creationId xmlns:p14="http://schemas.microsoft.com/office/powerpoint/2010/main" val="2249063516"/>
+        <p14:creationId xmlns:p14="http://schemas.microsoft.com/office/powerpoint/2010/main" val="2695091690"/>
       </p:ext>
     </p:extLst>
   </p:cSld>
@@ -859,7 +859,7 @@
           <a:p>
             <a:fld id="{ED6AB9C0-62BA-41B0-8F97-E3E35441639B}" type="datetimeFigureOut">
               <a:rPr kumimoji="1" lang="ja-JP" altLang="en-US" smtClean="0"/>
-              <a:t>2023/9/26</a:t>
+              <a:t>2023/9/27</a:t>
             </a:fld>
             <a:endParaRPr kumimoji="1" lang="ja-JP" altLang="en-US"/>
           </a:p>
@@ -910,7 +910,7 @@
     </p:spTree>
     <p:extLst>
       <p:ext uri="{BB962C8B-B14F-4D97-AF65-F5344CB8AC3E}">
-        <p14:creationId xmlns:p14="http://schemas.microsoft.com/office/powerpoint/2010/main" val="1468682753"/>
+        <p14:creationId xmlns:p14="http://schemas.microsoft.com/office/powerpoint/2010/main" val="4029012998"/>
       </p:ext>
     </p:extLst>
   </p:cSld>
@@ -949,8 +949,8 @@
         </p:nvSpPr>
         <p:spPr>
           <a:xfrm>
-            <a:off x="337939" y="427435"/>
-            <a:ext cx="4271963" cy="713184"/>
+            <a:off x="675878" y="427435"/>
+            <a:ext cx="8543925" cy="713184"/>
           </a:xfrm>
         </p:spPr>
         <p:txBody>
@@ -981,8 +981,8 @@
         </p:nvSpPr>
         <p:spPr>
           <a:xfrm>
-            <a:off x="337939" y="1147366"/>
-            <a:ext cx="4271963" cy="375047"/>
+            <a:off x="675878" y="1147366"/>
+            <a:ext cx="8543925" cy="375047"/>
           </a:xfrm>
         </p:spPr>
         <p:txBody>
@@ -1105,7 +1105,7 @@
           <a:p>
             <a:fld id="{ED6AB9C0-62BA-41B0-8F97-E3E35441639B}" type="datetimeFigureOut">
               <a:rPr kumimoji="1" lang="ja-JP" altLang="en-US" smtClean="0"/>
-              <a:t>2023/9/26</a:t>
+              <a:t>2023/9/27</a:t>
             </a:fld>
             <a:endParaRPr kumimoji="1" lang="ja-JP" altLang="en-US"/>
           </a:p>
@@ -1156,7 +1156,7 @@
     </p:spTree>
     <p:extLst>
       <p:ext uri="{BB962C8B-B14F-4D97-AF65-F5344CB8AC3E}">
-        <p14:creationId xmlns:p14="http://schemas.microsoft.com/office/powerpoint/2010/main" val="2600634074"/>
+        <p14:creationId xmlns:p14="http://schemas.microsoft.com/office/powerpoint/2010/main" val="1130864332"/>
       </p:ext>
     </p:extLst>
   </p:cSld>
@@ -1218,8 +1218,8 @@
         </p:nvSpPr>
         <p:spPr>
           <a:xfrm>
-            <a:off x="340519" y="456406"/>
-            <a:ext cx="2105025" cy="1087835"/>
+            <a:off x="681038" y="456406"/>
+            <a:ext cx="4210050" cy="1087835"/>
           </a:xfrm>
         </p:spPr>
         <p:txBody>
@@ -1307,8 +1307,8 @@
         </p:nvSpPr>
         <p:spPr>
           <a:xfrm>
-            <a:off x="2507456" y="456406"/>
-            <a:ext cx="2105025" cy="1087835"/>
+            <a:off x="5014913" y="456406"/>
+            <a:ext cx="4210050" cy="1087835"/>
           </a:xfrm>
         </p:spPr>
         <p:txBody>
@@ -1401,7 +1401,7 @@
           <a:p>
             <a:fld id="{ED6AB9C0-62BA-41B0-8F97-E3E35441639B}" type="datetimeFigureOut">
               <a:rPr kumimoji="1" lang="ja-JP" altLang="en-US" smtClean="0"/>
-              <a:t>2023/9/26</a:t>
+              <a:t>2023/9/27</a:t>
             </a:fld>
             <a:endParaRPr kumimoji="1" lang="ja-JP" altLang="en-US"/>
           </a:p>
@@ -1452,7 +1452,7 @@
     </p:spTree>
     <p:extLst>
       <p:ext uri="{BB962C8B-B14F-4D97-AF65-F5344CB8AC3E}">
-        <p14:creationId xmlns:p14="http://schemas.microsoft.com/office/powerpoint/2010/main" val="2791231542"/>
+        <p14:creationId xmlns:p14="http://schemas.microsoft.com/office/powerpoint/2010/main" val="1853171210"/>
       </p:ext>
     </p:extLst>
   </p:cSld>
@@ -1491,8 +1491,8 @@
         </p:nvSpPr>
         <p:spPr>
           <a:xfrm>
-            <a:off x="341164" y="91281"/>
-            <a:ext cx="4271963" cy="331391"/>
+            <a:off x="682328" y="91281"/>
+            <a:ext cx="8543925" cy="331391"/>
           </a:xfrm>
         </p:spPr>
         <p:txBody>
@@ -1519,8 +1519,8 @@
         </p:nvSpPr>
         <p:spPr>
           <a:xfrm>
-            <a:off x="341164" y="420291"/>
-            <a:ext cx="2095351" cy="205978"/>
+            <a:off x="682328" y="420291"/>
+            <a:ext cx="4190702" cy="205978"/>
           </a:xfrm>
         </p:spPr>
         <p:txBody>
@@ -1584,8 +1584,8 @@
         </p:nvSpPr>
         <p:spPr>
           <a:xfrm>
-            <a:off x="341164" y="626269"/>
-            <a:ext cx="2095351" cy="921147"/>
+            <a:off x="682328" y="626269"/>
+            <a:ext cx="4190702" cy="921147"/>
           </a:xfrm>
         </p:spPr>
         <p:txBody>
@@ -1673,8 +1673,8 @@
         </p:nvSpPr>
         <p:spPr>
           <a:xfrm>
-            <a:off x="2507456" y="420291"/>
-            <a:ext cx="2105670" cy="205978"/>
+            <a:off x="5014913" y="420291"/>
+            <a:ext cx="4211340" cy="205978"/>
           </a:xfrm>
         </p:spPr>
         <p:txBody>
@@ -1738,8 +1738,8 @@
         </p:nvSpPr>
         <p:spPr>
           <a:xfrm>
-            <a:off x="2507456" y="626269"/>
-            <a:ext cx="2105670" cy="921147"/>
+            <a:off x="5014913" y="626269"/>
+            <a:ext cx="4211340" cy="921147"/>
           </a:xfrm>
         </p:spPr>
         <p:txBody>
@@ -1832,7 +1832,7 @@
           <a:p>
             <a:fld id="{ED6AB9C0-62BA-41B0-8F97-E3E35441639B}" type="datetimeFigureOut">
               <a:rPr kumimoji="1" lang="ja-JP" altLang="en-US" smtClean="0"/>
-              <a:t>2023/9/26</a:t>
+              <a:t>2023/9/27</a:t>
             </a:fld>
             <a:endParaRPr kumimoji="1" lang="ja-JP" altLang="en-US"/>
           </a:p>
@@ -1883,7 +1883,7 @@
     </p:spTree>
     <p:extLst>
       <p:ext uri="{BB962C8B-B14F-4D97-AF65-F5344CB8AC3E}">
-        <p14:creationId xmlns:p14="http://schemas.microsoft.com/office/powerpoint/2010/main" val="2884425024"/>
+        <p14:creationId xmlns:p14="http://schemas.microsoft.com/office/powerpoint/2010/main" val="1866382819"/>
       </p:ext>
     </p:extLst>
   </p:cSld>
@@ -1950,7 +1950,7 @@
           <a:p>
             <a:fld id="{ED6AB9C0-62BA-41B0-8F97-E3E35441639B}" type="datetimeFigureOut">
               <a:rPr kumimoji="1" lang="ja-JP" altLang="en-US" smtClean="0"/>
-              <a:t>2023/9/26</a:t>
+              <a:t>2023/9/27</a:t>
             </a:fld>
             <a:endParaRPr kumimoji="1" lang="ja-JP" altLang="en-US"/>
           </a:p>
@@ -2001,7 +2001,7 @@
     </p:spTree>
     <p:extLst>
       <p:ext uri="{BB962C8B-B14F-4D97-AF65-F5344CB8AC3E}">
-        <p14:creationId xmlns:p14="http://schemas.microsoft.com/office/powerpoint/2010/main" val="599337139"/>
+        <p14:creationId xmlns:p14="http://schemas.microsoft.com/office/powerpoint/2010/main" val="3256121367"/>
       </p:ext>
     </p:extLst>
   </p:cSld>
@@ -2045,7 +2045,7 @@
           <a:p>
             <a:fld id="{ED6AB9C0-62BA-41B0-8F97-E3E35441639B}" type="datetimeFigureOut">
               <a:rPr kumimoji="1" lang="ja-JP" altLang="en-US" smtClean="0"/>
-              <a:t>2023/9/26</a:t>
+              <a:t>2023/9/27</a:t>
             </a:fld>
             <a:endParaRPr kumimoji="1" lang="ja-JP" altLang="en-US"/>
           </a:p>
@@ -2096,7 +2096,7 @@
     </p:spTree>
     <p:extLst>
       <p:ext uri="{BB962C8B-B14F-4D97-AF65-F5344CB8AC3E}">
-        <p14:creationId xmlns:p14="http://schemas.microsoft.com/office/powerpoint/2010/main" val="2299432756"/>
+        <p14:creationId xmlns:p14="http://schemas.microsoft.com/office/powerpoint/2010/main" val="18701345"/>
       </p:ext>
     </p:extLst>
   </p:cSld>
@@ -2135,8 +2135,8 @@
         </p:nvSpPr>
         <p:spPr>
           <a:xfrm>
-            <a:off x="341164" y="114300"/>
-            <a:ext cx="1597471" cy="400050"/>
+            <a:off x="682328" y="114300"/>
+            <a:ext cx="3194943" cy="400050"/>
           </a:xfrm>
         </p:spPr>
         <p:txBody>
@@ -2167,8 +2167,8 @@
         </p:nvSpPr>
         <p:spPr>
           <a:xfrm>
-            <a:off x="2105670" y="246857"/>
-            <a:ext cx="2507456" cy="1218406"/>
+            <a:off x="4211340" y="246857"/>
+            <a:ext cx="5014913" cy="1218406"/>
           </a:xfrm>
         </p:spPr>
         <p:txBody>
@@ -2284,8 +2284,8 @@
         </p:nvSpPr>
         <p:spPr>
           <a:xfrm>
-            <a:off x="341164" y="514350"/>
-            <a:ext cx="1597471" cy="952897"/>
+            <a:off x="682328" y="514350"/>
+            <a:ext cx="3194943" cy="952897"/>
           </a:xfrm>
         </p:spPr>
         <p:txBody>
@@ -2354,7 +2354,7 @@
           <a:p>
             <a:fld id="{ED6AB9C0-62BA-41B0-8F97-E3E35441639B}" type="datetimeFigureOut">
               <a:rPr kumimoji="1" lang="ja-JP" altLang="en-US" smtClean="0"/>
-              <a:t>2023/9/26</a:t>
+              <a:t>2023/9/27</a:t>
             </a:fld>
             <a:endParaRPr kumimoji="1" lang="ja-JP" altLang="en-US"/>
           </a:p>
@@ -2405,7 +2405,7 @@
     </p:spTree>
     <p:extLst>
       <p:ext uri="{BB962C8B-B14F-4D97-AF65-F5344CB8AC3E}">
-        <p14:creationId xmlns:p14="http://schemas.microsoft.com/office/powerpoint/2010/main" val="2552200217"/>
+        <p14:creationId xmlns:p14="http://schemas.microsoft.com/office/powerpoint/2010/main" val="1757589206"/>
       </p:ext>
     </p:extLst>
   </p:cSld>
@@ -2444,8 +2444,8 @@
         </p:nvSpPr>
         <p:spPr>
           <a:xfrm>
-            <a:off x="341164" y="114300"/>
-            <a:ext cx="1597471" cy="400050"/>
+            <a:off x="682328" y="114300"/>
+            <a:ext cx="3194943" cy="400050"/>
           </a:xfrm>
         </p:spPr>
         <p:txBody>
@@ -2476,8 +2476,8 @@
         </p:nvSpPr>
         <p:spPr>
           <a:xfrm>
-            <a:off x="2105670" y="246857"/>
-            <a:ext cx="2507456" cy="1218406"/>
+            <a:off x="4211340" y="246857"/>
+            <a:ext cx="5014913" cy="1218406"/>
           </a:xfrm>
         </p:spPr>
         <p:txBody>
@@ -2541,8 +2541,8 @@
         </p:nvSpPr>
         <p:spPr>
           <a:xfrm>
-            <a:off x="341164" y="514350"/>
-            <a:ext cx="1597471" cy="952897"/>
+            <a:off x="682328" y="514350"/>
+            <a:ext cx="3194943" cy="952897"/>
           </a:xfrm>
         </p:spPr>
         <p:txBody>
@@ -2611,7 +2611,7 @@
           <a:p>
             <a:fld id="{ED6AB9C0-62BA-41B0-8F97-E3E35441639B}" type="datetimeFigureOut">
               <a:rPr kumimoji="1" lang="ja-JP" altLang="en-US" smtClean="0"/>
-              <a:t>2023/9/26</a:t>
+              <a:t>2023/9/27</a:t>
             </a:fld>
             <a:endParaRPr kumimoji="1" lang="ja-JP" altLang="en-US"/>
           </a:p>
@@ -2662,7 +2662,7 @@
     </p:spTree>
     <p:extLst>
       <p:ext uri="{BB962C8B-B14F-4D97-AF65-F5344CB8AC3E}">
-        <p14:creationId xmlns:p14="http://schemas.microsoft.com/office/powerpoint/2010/main" val="1291486872"/>
+        <p14:creationId xmlns:p14="http://schemas.microsoft.com/office/powerpoint/2010/main" val="1208097327"/>
       </p:ext>
     </p:extLst>
   </p:cSld>
@@ -2706,8 +2706,8 @@
         </p:nvSpPr>
         <p:spPr>
           <a:xfrm>
-            <a:off x="340519" y="91281"/>
-            <a:ext cx="4271963" cy="331391"/>
+            <a:off x="681038" y="91281"/>
+            <a:ext cx="8543925" cy="331391"/>
           </a:xfrm>
           <a:prstGeom prst="rect">
             <a:avLst/>
@@ -2739,8 +2739,8 @@
         </p:nvSpPr>
         <p:spPr>
           <a:xfrm>
-            <a:off x="340519" y="456406"/>
-            <a:ext cx="4271963" cy="1087835"/>
+            <a:off x="681038" y="456406"/>
+            <a:ext cx="8543925" cy="1087835"/>
           </a:xfrm>
           <a:prstGeom prst="rect">
             <a:avLst/>
@@ -2833,8 +2833,8 @@
         </p:nvSpPr>
         <p:spPr>
           <a:xfrm>
-            <a:off x="340519" y="1589088"/>
-            <a:ext cx="1114425" cy="91281"/>
+            <a:off x="681038" y="1589088"/>
+            <a:ext cx="2228850" cy="91281"/>
           </a:xfrm>
           <a:prstGeom prst="rect">
             <a:avLst/>
@@ -2856,7 +2856,7 @@
           <a:p>
             <a:fld id="{ED6AB9C0-62BA-41B0-8F97-E3E35441639B}" type="datetimeFigureOut">
               <a:rPr kumimoji="1" lang="ja-JP" altLang="en-US" smtClean="0"/>
-              <a:t>2023/9/26</a:t>
+              <a:t>2023/9/27</a:t>
             </a:fld>
             <a:endParaRPr kumimoji="1" lang="ja-JP" altLang="en-US"/>
           </a:p>
@@ -2874,8 +2874,8 @@
         </p:nvSpPr>
         <p:spPr>
           <a:xfrm>
-            <a:off x="1640681" y="1589088"/>
-            <a:ext cx="1671638" cy="91281"/>
+            <a:off x="3281363" y="1589088"/>
+            <a:ext cx="3343275" cy="91281"/>
           </a:xfrm>
           <a:prstGeom prst="rect">
             <a:avLst/>
@@ -2911,8 +2911,8 @@
         </p:nvSpPr>
         <p:spPr>
           <a:xfrm>
-            <a:off x="3498056" y="1589088"/>
-            <a:ext cx="1114425" cy="91281"/>
+            <a:off x="6996113" y="1589088"/>
+            <a:ext cx="2228850" cy="91281"/>
           </a:xfrm>
           <a:prstGeom prst="rect">
             <a:avLst/>
@@ -2943,23 +2943,23 @@
     </p:spTree>
     <p:extLst>
       <p:ext uri="{BB962C8B-B14F-4D97-AF65-F5344CB8AC3E}">
-        <p14:creationId xmlns:p14="http://schemas.microsoft.com/office/powerpoint/2010/main" val="356766472"/>
+        <p14:creationId xmlns:p14="http://schemas.microsoft.com/office/powerpoint/2010/main" val="4264748852"/>
       </p:ext>
     </p:extLst>
   </p:cSld>
   <p:clrMap bg1="lt1" tx1="dk1" bg2="lt2" tx2="dk2" accent1="accent1" accent2="accent2" accent3="accent3" accent4="accent4" accent5="accent5" accent6="accent6" hlink="hlink" folHlink="folHlink"/>
   <p:sldLayoutIdLst>
-    <p:sldLayoutId id="2147483697" r:id="rId1"/>
-    <p:sldLayoutId id="2147483698" r:id="rId2"/>
-    <p:sldLayoutId id="2147483699" r:id="rId3"/>
-    <p:sldLayoutId id="2147483700" r:id="rId4"/>
-    <p:sldLayoutId id="2147483701" r:id="rId5"/>
-    <p:sldLayoutId id="2147483702" r:id="rId6"/>
-    <p:sldLayoutId id="2147483703" r:id="rId7"/>
-    <p:sldLayoutId id="2147483704" r:id="rId8"/>
-    <p:sldLayoutId id="2147483705" r:id="rId9"/>
-    <p:sldLayoutId id="2147483706" r:id="rId10"/>
-    <p:sldLayoutId id="2147483707" r:id="rId11"/>
+    <p:sldLayoutId id="2147483709" r:id="rId1"/>
+    <p:sldLayoutId id="2147483710" r:id="rId2"/>
+    <p:sldLayoutId id="2147483711" r:id="rId3"/>
+    <p:sldLayoutId id="2147483712" r:id="rId4"/>
+    <p:sldLayoutId id="2147483713" r:id="rId5"/>
+    <p:sldLayoutId id="2147483714" r:id="rId6"/>
+    <p:sldLayoutId id="2147483715" r:id="rId7"/>
+    <p:sldLayoutId id="2147483716" r:id="rId8"/>
+    <p:sldLayoutId id="2147483717" r:id="rId9"/>
+    <p:sldLayoutId id="2147483718" r:id="rId10"/>
+    <p:sldLayoutId id="2147483719" r:id="rId11"/>
   </p:sldLayoutIdLst>
   <p:txStyles>
     <p:titleStyle>
@@ -3283,64 +3283,14 @@
         </p:blipFill>
         <p:spPr>
           <a:xfrm>
-            <a:off x="2930244" y="166512"/>
-            <a:ext cx="771633" cy="581106"/>
+            <a:off x="5860493" y="361599"/>
+            <a:ext cx="1543266" cy="1162212"/>
           </a:xfrm>
           <a:prstGeom prst="rect">
             <a:avLst/>
           </a:prstGeom>
         </p:spPr>
       </p:pic>
-      <p:sp>
-        <p:nvSpPr>
-          <p:cNvPr id="4" name="正方形/長方形 3">
-            <a:extLst>
-              <a:ext uri="{FF2B5EF4-FFF2-40B4-BE49-F238E27FC236}">
-                <a16:creationId xmlns:a16="http://schemas.microsoft.com/office/drawing/2014/main" id="{00342A01-03C4-FE45-5675-1F2BDAB356A9}"/>
-              </a:ext>
-            </a:extLst>
-          </p:cNvPr>
-          <p:cNvSpPr/>
-          <p:nvPr/>
-        </p:nvSpPr>
-        <p:spPr>
-          <a:xfrm>
-            <a:off x="0" y="0"/>
-            <a:ext cx="4953000" cy="857250"/>
-          </a:xfrm>
-          <a:prstGeom prst="rect">
-            <a:avLst/>
-          </a:prstGeom>
-          <a:noFill/>
-          <a:ln w="19050">
-            <a:noFill/>
-          </a:ln>
-        </p:spPr>
-        <p:style>
-          <a:lnRef idx="2">
-            <a:schemeClr val="accent1">
-              <a:shade val="15000"/>
-            </a:schemeClr>
-          </a:lnRef>
-          <a:fillRef idx="1">
-            <a:schemeClr val="accent1"/>
-          </a:fillRef>
-          <a:effectRef idx="0">
-            <a:schemeClr val="accent1"/>
-          </a:effectRef>
-          <a:fontRef idx="minor">
-            <a:schemeClr val="lt1"/>
-          </a:fontRef>
-        </p:style>
-        <p:txBody>
-          <a:bodyPr rtlCol="0" anchor="ctr"/>
-          <a:lstStyle/>
-          <a:p>
-            <a:pPr algn="ctr"/>
-            <a:endParaRPr kumimoji="1" lang="ja-JP" altLang="en-US"/>
-          </a:p>
-        </p:txBody>
-      </p:sp>
       <p:sp>
         <p:nvSpPr>
           <p:cNvPr id="12" name="テキスト ボックス 11">
@@ -3355,8 +3305,8 @@
         </p:nvSpPr>
         <p:spPr>
           <a:xfrm>
-            <a:off x="47673" y="412003"/>
-            <a:ext cx="2354568" cy="414337"/>
+            <a:off x="95346" y="852586"/>
+            <a:ext cx="4709136" cy="828674"/>
           </a:xfrm>
           <a:prstGeom prst="rect">
             <a:avLst/>
@@ -3364,53 +3314,53 @@
           <a:noFill/>
         </p:spPr>
         <p:txBody>
-          <a:bodyPr wrap="square" lIns="36000" tIns="36000" rIns="36000" bIns="0" numCol="2" rtlCol="0">
+          <a:bodyPr wrap="square" lIns="72000" tIns="72000" rIns="72000" bIns="0" numCol="2" rtlCol="0">
             <a:noAutofit/>
           </a:bodyPr>
           <a:lstStyle/>
           <a:p>
             <a:r>
-              <a:rPr kumimoji="1" lang="ja-JP" altLang="en-US" sz="1050" u="sng" dirty="0"/>
+              <a:rPr kumimoji="1" lang="ja-JP" altLang="en-US" sz="2100" u="sng" dirty="0"/>
               <a:t>産</a:t>
             </a:r>
             <a:r>
-              <a:rPr kumimoji="1" lang="ja-JP" altLang="en-US" sz="1050" dirty="0"/>
+              <a:rPr kumimoji="1" lang="ja-JP" altLang="en-US" sz="2100" dirty="0"/>
               <a:t>：産交バス</a:t>
             </a:r>
-            <a:endParaRPr kumimoji="1" lang="en-US" altLang="ja-JP" sz="1050" dirty="0"/>
-          </a:p>
-          <a:p>
-            <a:r>
-              <a:rPr kumimoji="1" lang="ja-JP" altLang="en-US" sz="1050" u="sng" dirty="0"/>
+            <a:endParaRPr kumimoji="1" lang="en-US" altLang="ja-JP" sz="2100" dirty="0"/>
+          </a:p>
+          <a:p>
+            <a:r>
+              <a:rPr kumimoji="1" lang="ja-JP" altLang="en-US" sz="2100" u="sng" dirty="0"/>
               <a:t>都</a:t>
             </a:r>
             <a:r>
-              <a:rPr kumimoji="1" lang="ja-JP" altLang="en-US" sz="1050" dirty="0"/>
+              <a:rPr kumimoji="1" lang="ja-JP" altLang="en-US" sz="2100" dirty="0"/>
               <a:t>：熊本都市バス</a:t>
             </a:r>
-            <a:endParaRPr kumimoji="1" lang="en-US" altLang="ja-JP" sz="1050" dirty="0"/>
-          </a:p>
-          <a:p>
-            <a:r>
-              <a:rPr kumimoji="1" lang="ja-JP" altLang="en-US" sz="1050" u="sng" dirty="0"/>
+            <a:endParaRPr kumimoji="1" lang="en-US" altLang="ja-JP" sz="2100" dirty="0"/>
+          </a:p>
+          <a:p>
+            <a:r>
+              <a:rPr kumimoji="1" lang="ja-JP" altLang="en-US" sz="2100" u="sng" dirty="0"/>
               <a:t>電</a:t>
             </a:r>
             <a:r>
-              <a:rPr kumimoji="1" lang="ja-JP" altLang="en-US" sz="1050" dirty="0"/>
+              <a:rPr kumimoji="1" lang="ja-JP" altLang="en-US" sz="2100" dirty="0"/>
               <a:t>：熊本電鉄バス</a:t>
             </a:r>
-            <a:endParaRPr kumimoji="1" lang="en-US" altLang="ja-JP" sz="1050" dirty="0"/>
-          </a:p>
-          <a:p>
-            <a:r>
-              <a:rPr kumimoji="1" lang="ja-JP" altLang="en-US" sz="1050" u="sng" dirty="0"/>
+            <a:endParaRPr kumimoji="1" lang="en-US" altLang="ja-JP" sz="2100" dirty="0"/>
+          </a:p>
+          <a:p>
+            <a:r>
+              <a:rPr kumimoji="1" lang="ja-JP" altLang="en-US" sz="2100" u="sng" dirty="0"/>
               <a:t>熊</a:t>
             </a:r>
             <a:r>
-              <a:rPr kumimoji="1" lang="ja-JP" altLang="en-US" sz="1050" dirty="0"/>
+              <a:rPr kumimoji="1" lang="ja-JP" altLang="en-US" sz="2100" dirty="0"/>
               <a:t>：熊本バス</a:t>
             </a:r>
-            <a:endParaRPr kumimoji="1" lang="en-US" altLang="ja-JP" sz="1050" dirty="0"/>
+            <a:endParaRPr kumimoji="1" lang="en-US" altLang="ja-JP" sz="2100" dirty="0"/>
           </a:p>
         </p:txBody>
       </p:sp>
@@ -3428,8 +3378,8 @@
         </p:nvSpPr>
         <p:spPr>
           <a:xfrm>
-            <a:off x="1841018" y="43612"/>
-            <a:ext cx="1115690" cy="215444"/>
+            <a:off x="3682036" y="115801"/>
+            <a:ext cx="2231380" cy="430887"/>
           </a:xfrm>
           <a:prstGeom prst="rect">
             <a:avLst/>
@@ -3443,27 +3393,27 @@
           <a:lstStyle/>
           <a:p>
             <a:r>
-              <a:rPr kumimoji="1" lang="ja-JP" altLang="en-US" sz="1400" b="1" dirty="0">
+              <a:rPr kumimoji="1" lang="ja-JP" altLang="en-US" sz="2800" b="1" dirty="0">
                 <a:latin typeface="メイリオ" panose="020B0604030504040204" pitchFamily="50" charset="-128"/>
                 <a:ea typeface="メイリオ" panose="020B0604030504040204" pitchFamily="50" charset="-128"/>
               </a:rPr>
               <a:t>出発時</a:t>
             </a:r>
             <a:r>
-              <a:rPr kumimoji="1" lang="ja-JP" altLang="en-US" sz="1400" b="1" spc="-500" dirty="0">
+              <a:rPr kumimoji="1" lang="ja-JP" altLang="en-US" sz="2800" b="1" spc="-1000" dirty="0">
                 <a:latin typeface="メイリオ" panose="020B0604030504040204" pitchFamily="50" charset="-128"/>
                 <a:ea typeface="メイリオ" panose="020B0604030504040204" pitchFamily="50" charset="-128"/>
               </a:rPr>
               <a:t>刻</a:t>
             </a:r>
             <a:r>
-              <a:rPr kumimoji="1" lang="ja-JP" altLang="en-US" sz="1200" b="1" dirty="0">
+              <a:rPr kumimoji="1" lang="ja-JP" altLang="en-US" sz="2400" b="1" dirty="0">
                 <a:latin typeface="メイリオ" panose="020B0604030504040204" pitchFamily="50" charset="-128"/>
                 <a:ea typeface="メイリオ" panose="020B0604030504040204" pitchFamily="50" charset="-128"/>
               </a:rPr>
               <a:t>（分）</a:t>
             </a:r>
-            <a:endParaRPr kumimoji="1" lang="ja-JP" altLang="en-US" sz="1400" b="1" dirty="0">
+            <a:endParaRPr kumimoji="1" lang="ja-JP" altLang="en-US" sz="2800" b="1" dirty="0">
               <a:latin typeface="メイリオ" panose="020B0604030504040204" pitchFamily="50" charset="-128"/>
               <a:ea typeface="メイリオ" panose="020B0604030504040204" pitchFamily="50" charset="-128"/>
             </a:endParaRPr>
@@ -3484,8 +3434,8 @@
         </p:nvSpPr>
         <p:spPr>
           <a:xfrm>
-            <a:off x="3816450" y="344737"/>
-            <a:ext cx="359073" cy="215444"/>
+            <a:off x="7632905" y="718051"/>
+            <a:ext cx="718145" cy="430887"/>
           </a:xfrm>
           <a:prstGeom prst="rect">
             <a:avLst/>
@@ -3499,7 +3449,7 @@
           <a:lstStyle/>
           <a:p>
             <a:r>
-              <a:rPr kumimoji="1" lang="ja-JP" altLang="en-US" sz="1400" b="1" dirty="0">
+              <a:rPr kumimoji="1" lang="ja-JP" altLang="en-US" sz="2800" b="1" dirty="0">
                 <a:latin typeface="メイリオ" panose="020B0604030504040204" pitchFamily="50" charset="-128"/>
                 <a:ea typeface="メイリオ" panose="020B0604030504040204" pitchFamily="50" charset="-128"/>
               </a:rPr>
@@ -3522,8 +3472,8 @@
         </p:nvSpPr>
         <p:spPr>
           <a:xfrm>
-            <a:off x="3816450" y="577555"/>
-            <a:ext cx="718145" cy="215444"/>
+            <a:off x="7632905" y="1183687"/>
+            <a:ext cx="1436291" cy="430887"/>
           </a:xfrm>
           <a:prstGeom prst="rect">
             <a:avLst/>
@@ -3537,7 +3487,7 @@
           <a:lstStyle/>
           <a:p>
             <a:r>
-              <a:rPr kumimoji="1" lang="ja-JP" altLang="en-US" sz="1400" b="1" dirty="0">
+              <a:rPr kumimoji="1" lang="ja-JP" altLang="en-US" sz="2800" b="1" dirty="0">
                 <a:latin typeface="メイリオ" panose="020B0604030504040204" pitchFamily="50" charset="-128"/>
                 <a:ea typeface="メイリオ" panose="020B0604030504040204" pitchFamily="50" charset="-128"/>
               </a:rPr>
@@ -3562,13 +3512,13 @@
         </p:nvCxnSpPr>
         <p:spPr>
           <a:xfrm flipH="1" flipV="1">
-            <a:off x="2899134" y="183343"/>
-            <a:ext cx="251260" cy="35732"/>
+            <a:off x="5798268" y="395261"/>
+            <a:ext cx="502520" cy="71464"/>
           </a:xfrm>
           <a:prstGeom prst="line">
             <a:avLst/>
           </a:prstGeom>
-          <a:ln w="12700">
+          <a:ln w="28575">
             <a:solidFill>
               <a:srgbClr val="354F9B"/>
             </a:solidFill>
@@ -3605,13 +3555,13 @@
         </p:nvCxnSpPr>
         <p:spPr>
           <a:xfrm flipH="1">
-            <a:off x="3482362" y="428625"/>
-            <a:ext cx="319194" cy="97972"/>
+            <a:off x="6964724" y="885825"/>
+            <a:ext cx="638388" cy="195944"/>
           </a:xfrm>
           <a:prstGeom prst="line">
             <a:avLst/>
           </a:prstGeom>
-          <a:ln w="12700">
+          <a:ln w="28575">
             <a:solidFill>
               <a:srgbClr val="354F9B"/>
             </a:solidFill>
@@ -3648,13 +3598,13 @@
         </p:nvCxnSpPr>
         <p:spPr>
           <a:xfrm flipH="1" flipV="1">
-            <a:off x="3490909" y="654844"/>
-            <a:ext cx="310647" cy="5787"/>
+            <a:off x="6981823" y="1338268"/>
+            <a:ext cx="621294" cy="11574"/>
           </a:xfrm>
           <a:prstGeom prst="line">
             <a:avLst/>
           </a:prstGeom>
-          <a:ln w="12700">
+          <a:ln w="28575">
             <a:solidFill>
               <a:srgbClr val="354F9B"/>
             </a:solidFill>
@@ -3691,13 +3641,13 @@
         </p:nvCxnSpPr>
         <p:spPr>
           <a:xfrm flipH="1">
-            <a:off x="2855353" y="414338"/>
-            <a:ext cx="190266" cy="153763"/>
+            <a:off x="5710706" y="857256"/>
+            <a:ext cx="380532" cy="307526"/>
           </a:xfrm>
           <a:prstGeom prst="line">
             <a:avLst/>
           </a:prstGeom>
-          <a:ln w="12700">
+          <a:ln w="28575">
             <a:solidFill>
               <a:srgbClr val="354F9B"/>
             </a:solidFill>
@@ -3732,8 +3682,8 @@
         </p:nvSpPr>
         <p:spPr>
           <a:xfrm>
-            <a:off x="47673" y="39868"/>
-            <a:ext cx="548639" cy="315925"/>
+            <a:off x="95351" y="108316"/>
+            <a:ext cx="1097278" cy="631850"/>
           </a:xfrm>
           <a:prstGeom prst="rect">
             <a:avLst/>
@@ -3743,14 +3693,14 @@
           </a:solidFill>
         </p:spPr>
         <p:txBody>
-          <a:bodyPr wrap="none" lIns="72000" rIns="72000" bIns="0" rtlCol="0" anchor="ctr" anchorCtr="0">
+          <a:bodyPr wrap="none" lIns="144000" tIns="72000" rIns="144000" bIns="0" rtlCol="0" anchor="ctr" anchorCtr="0">
             <a:noAutofit/>
           </a:bodyPr>
           <a:lstStyle/>
           <a:p>
             <a:pPr algn="ctr"/>
             <a:r>
-              <a:rPr kumimoji="1" lang="ja-JP" altLang="en-US" b="1" dirty="0">
+              <a:rPr kumimoji="1" lang="ja-JP" altLang="en-US" sz="3600" b="1" dirty="0">
                 <a:solidFill>
                   <a:schemeClr val="bg1"/>
                 </a:solidFill>
@@ -3774,8 +3724,8 @@
         </p:nvSpPr>
         <p:spPr>
           <a:xfrm>
-            <a:off x="2439611" y="431491"/>
-            <a:ext cx="359073" cy="400687"/>
+            <a:off x="4879227" y="891562"/>
+            <a:ext cx="718145" cy="801373"/>
           </a:xfrm>
           <a:prstGeom prst="rect">
             <a:avLst/>
@@ -3794,20 +3744,20 @@
               </a:lnSpc>
             </a:pPr>
             <a:r>
-              <a:rPr kumimoji="1" lang="ja-JP" altLang="en-US" sz="1400" b="1" dirty="0">
+              <a:rPr kumimoji="1" lang="ja-JP" altLang="en-US" sz="2800" b="1" dirty="0">
                 <a:latin typeface="メイリオ" panose="020B0604030504040204" pitchFamily="50" charset="-128"/>
                 <a:ea typeface="メイリオ" panose="020B0604030504040204" pitchFamily="50" charset="-128"/>
               </a:rPr>
               <a:t>会社</a:t>
             </a:r>
             <a:br>
-              <a:rPr kumimoji="1" lang="en-US" altLang="ja-JP" sz="1400" b="1" dirty="0">
+              <a:rPr kumimoji="1" lang="en-US" altLang="ja-JP" sz="2800" b="1" dirty="0">
                 <a:latin typeface="メイリオ" panose="020B0604030504040204" pitchFamily="50" charset="-128"/>
                 <a:ea typeface="メイリオ" panose="020B0604030504040204" pitchFamily="50" charset="-128"/>
               </a:rPr>
             </a:br>
             <a:r>
-              <a:rPr kumimoji="1" lang="ja-JP" altLang="en-US" sz="1400" b="1" dirty="0">
+              <a:rPr kumimoji="1" lang="ja-JP" altLang="en-US" sz="2800" b="1" dirty="0">
                 <a:latin typeface="メイリオ" panose="020B0604030504040204" pitchFamily="50" charset="-128"/>
                 <a:ea typeface="メイリオ" panose="020B0604030504040204" pitchFamily="50" charset="-128"/>
               </a:rPr>
@@ -3830,8 +3780,8 @@
         </p:nvSpPr>
         <p:spPr>
           <a:xfrm>
-            <a:off x="3816450" y="111455"/>
-            <a:ext cx="538609" cy="215444"/>
+            <a:off x="7632904" y="251487"/>
+            <a:ext cx="1077218" cy="430887"/>
           </a:xfrm>
           <a:prstGeom prst="rect">
             <a:avLst/>
@@ -3845,7 +3795,7 @@
           <a:lstStyle/>
           <a:p>
             <a:r>
-              <a:rPr kumimoji="1" lang="ja-JP" altLang="en-US" sz="1400" b="1" dirty="0">
+              <a:rPr kumimoji="1" lang="ja-JP" altLang="en-US" sz="2800" b="1" dirty="0">
                 <a:latin typeface="メイリオ" panose="020B0604030504040204" pitchFamily="50" charset="-128"/>
                 <a:ea typeface="メイリオ" panose="020B0604030504040204" pitchFamily="50" charset="-128"/>
               </a:rPr>
@@ -3870,13 +3820,13 @@
         </p:nvCxnSpPr>
         <p:spPr>
           <a:xfrm flipH="1">
-            <a:off x="3681404" y="207625"/>
-            <a:ext cx="120152" cy="87650"/>
+            <a:off x="7362808" y="443825"/>
+            <a:ext cx="240304" cy="175300"/>
           </a:xfrm>
           <a:prstGeom prst="line">
             <a:avLst/>
           </a:prstGeom>
-          <a:ln w="12700">
+          <a:ln w="28575">
             <a:solidFill>
               <a:srgbClr val="354F9B"/>
             </a:solidFill>
@@ -3911,8 +3861,8 @@
         </p:nvSpPr>
         <p:spPr>
           <a:xfrm>
-            <a:off x="4544772" y="519113"/>
-            <a:ext cx="379605" cy="307007"/>
+            <a:off x="9093998" y="1148938"/>
+            <a:ext cx="759210" cy="614014"/>
           </a:xfrm>
           <a:prstGeom prst="rect">
             <a:avLst/>
@@ -3931,10 +3881,10 @@
               </a:lnSpc>
             </a:pPr>
             <a:r>
-              <a:rPr kumimoji="1" lang="ja-JP" altLang="en-US" sz="750" dirty="0"/>
+              <a:rPr kumimoji="1" lang="ja-JP" altLang="en-US" sz="1500" dirty="0"/>
               <a:t>複数の</a:t>
             </a:r>
-            <a:endParaRPr kumimoji="1" lang="en-US" altLang="ja-JP" sz="750" dirty="0"/>
+            <a:endParaRPr kumimoji="1" lang="en-US" altLang="ja-JP" sz="1500" dirty="0"/>
           </a:p>
           <a:p>
             <a:pPr>
@@ -3943,7 +3893,7 @@
               </a:lnSpc>
             </a:pPr>
             <a:r>
-              <a:rPr kumimoji="1" lang="ja-JP" altLang="en-US" sz="750" dirty="0"/>
+              <a:rPr kumimoji="1" lang="ja-JP" altLang="en-US" sz="1500" dirty="0"/>
               <a:t>場合あり</a:t>
             </a:r>
           </a:p>
@@ -3963,8 +3913,8 @@
         </p:nvSpPr>
         <p:spPr>
           <a:xfrm>
-            <a:off x="4391536" y="62939"/>
-            <a:ext cx="513792" cy="307007"/>
+            <a:off x="8783072" y="207798"/>
+            <a:ext cx="1027584" cy="614014"/>
           </a:xfrm>
           <a:prstGeom prst="rect">
             <a:avLst/>
@@ -3983,14 +3933,14 @@
               </a:lnSpc>
             </a:pPr>
             <a:r>
-              <a:rPr kumimoji="1" lang="ja-JP" altLang="en-US" sz="750" dirty="0"/>
+              <a:rPr kumimoji="1" lang="ja-JP" altLang="en-US" sz="1500" dirty="0"/>
               <a:t>駅・ターミ</a:t>
             </a:r>
             <a:br>
-              <a:rPr kumimoji="1" lang="en-US" altLang="ja-JP" sz="750" dirty="0"/>
+              <a:rPr kumimoji="1" lang="en-US" altLang="ja-JP" sz="1500" dirty="0"/>
             </a:br>
             <a:r>
-              <a:rPr kumimoji="1" lang="ja-JP" altLang="en-US" sz="750" dirty="0"/>
+              <a:rPr kumimoji="1" lang="ja-JP" altLang="en-US" sz="1500" dirty="0"/>
               <a:t>ナル等のみ</a:t>
             </a:r>
           </a:p>
@@ -4010,8 +3960,8 @@
         </p:nvSpPr>
         <p:spPr>
           <a:xfrm>
-            <a:off x="2337182" y="435772"/>
-            <a:ext cx="45719" cy="338137"/>
+            <a:off x="4650081" y="900124"/>
+            <a:ext cx="115726" cy="676274"/>
           </a:xfrm>
           <a:prstGeom prst="rightBrace">
             <a:avLst>
@@ -4019,7 +3969,7 @@
               <a:gd name="adj2" fmla="val 50000"/>
             </a:avLst>
           </a:prstGeom>
-          <a:ln w="12700">
+          <a:ln w="28575">
             <a:solidFill>
               <a:srgbClr val="354F9B"/>
             </a:solidFill>
@@ -4044,7 +3994,7 @@
           <a:lstStyle/>
           <a:p>
             <a:pPr algn="ctr"/>
-            <a:endParaRPr kumimoji="1" lang="ja-JP" altLang="en-US"/>
+            <a:endParaRPr kumimoji="1" lang="ja-JP" altLang="en-US" sz="3600"/>
           </a:p>
         </p:txBody>
       </p:sp>
@@ -4062,8 +4012,8 @@
         </p:nvSpPr>
         <p:spPr>
           <a:xfrm>
-            <a:off x="1228008" y="182797"/>
-            <a:ext cx="1723549" cy="207749"/>
+            <a:off x="2456020" y="432274"/>
+            <a:ext cx="3262432" cy="323165"/>
           </a:xfrm>
           <a:prstGeom prst="rect">
             <a:avLst/>
@@ -4077,7 +4027,7 @@
           <a:lstStyle/>
           <a:p>
             <a:r>
-              <a:rPr kumimoji="1" lang="ja-JP" altLang="en-US" sz="750" dirty="0"/>
+              <a:rPr kumimoji="1" lang="ja-JP" altLang="en-US" sz="1500" dirty="0"/>
               <a:t>下線細字の場合は所要時間が長い便</a:t>
             </a:r>
           </a:p>
